--- a/Presentation.pptx
+++ b/Presentation.pptx
@@ -5,7 +5,7 @@
     <p:sldMasterId id="2147483840" r:id="rId1"/>
   </p:sldMasterIdLst>
   <p:notesMasterIdLst>
-    <p:notesMasterId r:id="rId34"/>
+    <p:notesMasterId r:id="rId35"/>
   </p:notesMasterIdLst>
   <p:sldIdLst>
     <p:sldId id="256" r:id="rId2"/>
@@ -23,23 +23,24 @@
     <p:sldId id="311" r:id="rId14"/>
     <p:sldId id="304" r:id="rId15"/>
     <p:sldId id="316" r:id="rId16"/>
-    <p:sldId id="301" r:id="rId17"/>
-    <p:sldId id="273" r:id="rId18"/>
-    <p:sldId id="283" r:id="rId19"/>
-    <p:sldId id="284" r:id="rId20"/>
-    <p:sldId id="314" r:id="rId21"/>
-    <p:sldId id="296" r:id="rId22"/>
-    <p:sldId id="286" r:id="rId23"/>
-    <p:sldId id="313" r:id="rId24"/>
-    <p:sldId id="317" r:id="rId25"/>
-    <p:sldId id="318" r:id="rId26"/>
-    <p:sldId id="319" r:id="rId27"/>
-    <p:sldId id="315" r:id="rId28"/>
-    <p:sldId id="287" r:id="rId29"/>
-    <p:sldId id="288" r:id="rId30"/>
-    <p:sldId id="291" r:id="rId31"/>
-    <p:sldId id="292" r:id="rId32"/>
-    <p:sldId id="264" r:id="rId33"/>
+    <p:sldId id="320" r:id="rId17"/>
+    <p:sldId id="301" r:id="rId18"/>
+    <p:sldId id="273" r:id="rId19"/>
+    <p:sldId id="283" r:id="rId20"/>
+    <p:sldId id="284" r:id="rId21"/>
+    <p:sldId id="314" r:id="rId22"/>
+    <p:sldId id="296" r:id="rId23"/>
+    <p:sldId id="286" r:id="rId24"/>
+    <p:sldId id="313" r:id="rId25"/>
+    <p:sldId id="317" r:id="rId26"/>
+    <p:sldId id="318" r:id="rId27"/>
+    <p:sldId id="319" r:id="rId28"/>
+    <p:sldId id="315" r:id="rId29"/>
+    <p:sldId id="287" r:id="rId30"/>
+    <p:sldId id="288" r:id="rId31"/>
+    <p:sldId id="291" r:id="rId32"/>
+    <p:sldId id="292" r:id="rId33"/>
+    <p:sldId id="264" r:id="rId34"/>
   </p:sldIdLst>
   <p:sldSz cx="12192000" cy="6858000"/>
   <p:notesSz cx="6858000" cy="9144000"/>
@@ -17663,7 +17664,7 @@
           <a:p>
             <a:fld id="{5ADDA7F9-EA04-5548-85EC-7C4EC765724D}" type="datetimeFigureOut">
               <a:rPr lang="en-US" smtClean="0"/>
-              <a:t>07/09/19</a:t>
+              <a:t>09/09/19</a:t>
             </a:fld>
             <a:endParaRPr lang="en-US"/>
           </a:p>
@@ -18432,7 +18433,7 @@
           <a:p>
             <a:fld id="{568ADF71-4A6D-4D3F-8C18-ED525B01D724}" type="datetimeFigureOut">
               <a:rPr lang="ru-RU" smtClean="0"/>
-              <a:t>07.09.2019</a:t>
+              <a:t>09.09.2019</a:t>
             </a:fld>
             <a:endParaRPr lang="ru-RU"/>
           </a:p>
@@ -18728,7 +18729,7 @@
           <a:p>
             <a:fld id="{568ADF71-4A6D-4D3F-8C18-ED525B01D724}" type="datetimeFigureOut">
               <a:rPr lang="ru-RU" smtClean="0"/>
-              <a:t>07.09.2019</a:t>
+              <a:t>09.09.2019</a:t>
             </a:fld>
             <a:endParaRPr lang="ru-RU"/>
           </a:p>
@@ -18976,7 +18977,7 @@
           <a:p>
             <a:fld id="{568ADF71-4A6D-4D3F-8C18-ED525B01D724}" type="datetimeFigureOut">
               <a:rPr lang="ru-RU" smtClean="0"/>
-              <a:t>07.09.2019</a:t>
+              <a:t>09.09.2019</a:t>
             </a:fld>
             <a:endParaRPr lang="ru-RU"/>
           </a:p>
@@ -19516,7 +19517,7 @@
           <a:p>
             <a:fld id="{568ADF71-4A6D-4D3F-8C18-ED525B01D724}" type="datetimeFigureOut">
               <a:rPr lang="ru-RU" smtClean="0"/>
-              <a:t>07.09.2019</a:t>
+              <a:t>09.09.2019</a:t>
             </a:fld>
             <a:endParaRPr lang="ru-RU"/>
           </a:p>
@@ -19764,7 +19765,7 @@
           <a:p>
             <a:fld id="{568ADF71-4A6D-4D3F-8C18-ED525B01D724}" type="datetimeFigureOut">
               <a:rPr lang="ru-RU" smtClean="0"/>
-              <a:t>07.09.2019</a:t>
+              <a:t>09.09.2019</a:t>
             </a:fld>
             <a:endParaRPr lang="ru-RU"/>
           </a:p>
@@ -20296,7 +20297,7 @@
           <a:p>
             <a:fld id="{568ADF71-4A6D-4D3F-8C18-ED525B01D724}" type="datetimeFigureOut">
               <a:rPr lang="ru-RU" smtClean="0"/>
-              <a:t>07.09.2019</a:t>
+              <a:t>09.09.2019</a:t>
             </a:fld>
             <a:endParaRPr lang="ru-RU"/>
           </a:p>
@@ -20593,7 +20594,7 @@
           <a:p>
             <a:fld id="{568ADF71-4A6D-4D3F-8C18-ED525B01D724}" type="datetimeFigureOut">
               <a:rPr lang="ru-RU" smtClean="0"/>
-              <a:t>07.09.2019</a:t>
+              <a:t>09.09.2019</a:t>
             </a:fld>
             <a:endParaRPr lang="ru-RU"/>
           </a:p>
@@ -20767,7 +20768,7 @@
           <a:p>
             <a:fld id="{568ADF71-4A6D-4D3F-8C18-ED525B01D724}" type="datetimeFigureOut">
               <a:rPr lang="ru-RU" smtClean="0"/>
-              <a:t>07.09.2019</a:t>
+              <a:t>09.09.2019</a:t>
             </a:fld>
             <a:endParaRPr lang="ru-RU"/>
           </a:p>
@@ -20947,7 +20948,7 @@
           <a:p>
             <a:fld id="{568ADF71-4A6D-4D3F-8C18-ED525B01D724}" type="datetimeFigureOut">
               <a:rPr lang="ru-RU" smtClean="0"/>
-              <a:t>07.09.2019</a:t>
+              <a:t>09.09.2019</a:t>
             </a:fld>
             <a:endParaRPr lang="ru-RU"/>
           </a:p>
@@ -21117,7 +21118,7 @@
           <a:p>
             <a:fld id="{568ADF71-4A6D-4D3F-8C18-ED525B01D724}" type="datetimeFigureOut">
               <a:rPr lang="ru-RU" smtClean="0"/>
-              <a:t>07.09.2019</a:t>
+              <a:t>09.09.2019</a:t>
             </a:fld>
             <a:endParaRPr lang="ru-RU"/>
           </a:p>
@@ -21368,7 +21369,7 @@
           <a:p>
             <a:fld id="{568ADF71-4A6D-4D3F-8C18-ED525B01D724}" type="datetimeFigureOut">
               <a:rPr lang="ru-RU" smtClean="0"/>
-              <a:t>07.09.2019</a:t>
+              <a:t>09.09.2019</a:t>
             </a:fld>
             <a:endParaRPr lang="ru-RU"/>
           </a:p>
@@ -21665,7 +21666,7 @@
           <a:p>
             <a:fld id="{568ADF71-4A6D-4D3F-8C18-ED525B01D724}" type="datetimeFigureOut">
               <a:rPr lang="ru-RU" smtClean="0"/>
-              <a:t>07.09.2019</a:t>
+              <a:t>09.09.2019</a:t>
             </a:fld>
             <a:endParaRPr lang="ru-RU"/>
           </a:p>
@@ -22107,7 +22108,7 @@
           <a:p>
             <a:fld id="{568ADF71-4A6D-4D3F-8C18-ED525B01D724}" type="datetimeFigureOut">
               <a:rPr lang="ru-RU" smtClean="0"/>
-              <a:t>07.09.2019</a:t>
+              <a:t>09.09.2019</a:t>
             </a:fld>
             <a:endParaRPr lang="ru-RU"/>
           </a:p>
@@ -22225,7 +22226,7 @@
           <a:p>
             <a:fld id="{568ADF71-4A6D-4D3F-8C18-ED525B01D724}" type="datetimeFigureOut">
               <a:rPr lang="ru-RU" smtClean="0"/>
-              <a:t>07.09.2019</a:t>
+              <a:t>09.09.2019</a:t>
             </a:fld>
             <a:endParaRPr lang="ru-RU"/>
           </a:p>
@@ -22320,7 +22321,7 @@
           <a:p>
             <a:fld id="{568ADF71-4A6D-4D3F-8C18-ED525B01D724}" type="datetimeFigureOut">
               <a:rPr lang="ru-RU" smtClean="0"/>
-              <a:t>07.09.2019</a:t>
+              <a:t>09.09.2019</a:t>
             </a:fld>
             <a:endParaRPr lang="ru-RU"/>
           </a:p>
@@ -22603,7 +22604,7 @@
           <a:p>
             <a:fld id="{568ADF71-4A6D-4D3F-8C18-ED525B01D724}" type="datetimeFigureOut">
               <a:rPr lang="ru-RU" smtClean="0"/>
-              <a:t>07.09.2019</a:t>
+              <a:t>09.09.2019</a:t>
             </a:fld>
             <a:endParaRPr lang="ru-RU"/>
           </a:p>
@@ -22894,7 +22895,7 @@
           <a:p>
             <a:fld id="{568ADF71-4A6D-4D3F-8C18-ED525B01D724}" type="datetimeFigureOut">
               <a:rPr lang="ru-RU" smtClean="0"/>
-              <a:t>07.09.2019</a:t>
+              <a:t>09.09.2019</a:t>
             </a:fld>
             <a:endParaRPr lang="ru-RU"/>
           </a:p>
@@ -23424,7 +23425,7 @@
           <a:p>
             <a:fld id="{568ADF71-4A6D-4D3F-8C18-ED525B01D724}" type="datetimeFigureOut">
               <a:rPr lang="ru-RU" smtClean="0"/>
-              <a:t>07.09.2019</a:t>
+              <a:t>09.09.2019</a:t>
             </a:fld>
             <a:endParaRPr lang="ru-RU"/>
           </a:p>
@@ -29038,6 +29039,352 @@
 </file>
 
 <file path=ppt/slides/slide16.xml><?xml version="1.0" encoding="utf-8"?>
+<p:sld xmlns:a="http://schemas.openxmlformats.org/drawingml/2006/main" xmlns:r="http://schemas.openxmlformats.org/officeDocument/2006/relationships" xmlns:p="http://schemas.openxmlformats.org/presentationml/2006/main">
+  <p:cSld>
+    <p:spTree>
+      <p:nvGrpSpPr>
+        <p:cNvPr id="1" name=""/>
+        <p:cNvGrpSpPr/>
+        <p:nvPr/>
+      </p:nvGrpSpPr>
+      <p:grpSpPr>
+        <a:xfrm>
+          <a:off x="0" y="0"/>
+          <a:ext cx="0" cy="0"/>
+          <a:chOff x="0" y="0"/>
+          <a:chExt cx="0" cy="0"/>
+        </a:xfrm>
+      </p:grpSpPr>
+      <p:sp>
+        <p:nvSpPr>
+          <p:cNvPr id="2" name="Title 1">
+            <a:extLst>
+              <a:ext uri="{FF2B5EF4-FFF2-40B4-BE49-F238E27FC236}">
+                <a16:creationId xmlns:a16="http://schemas.microsoft.com/office/drawing/2014/main" id="{A4BDF205-262E-416C-971A-95E11BC74DF8}"/>
+              </a:ext>
+            </a:extLst>
+          </p:cNvPr>
+          <p:cNvSpPr>
+            <a:spLocks noGrp="1"/>
+          </p:cNvSpPr>
+          <p:nvPr>
+            <p:ph type="title"/>
+          </p:nvPr>
+        </p:nvSpPr>
+        <p:spPr>
+          <a:xfrm>
+            <a:off x="1484311" y="685800"/>
+            <a:ext cx="10018713" cy="1185333"/>
+          </a:xfrm>
+        </p:spPr>
+        <p:txBody>
+          <a:bodyPr>
+            <a:normAutofit/>
+          </a:bodyPr>
+          <a:lstStyle/>
+          <a:p>
+            <a:r>
+              <a:rPr lang="en-US" b="1" dirty="0"/>
+              <a:t>Testing – Output</a:t>
+            </a:r>
+            <a:endParaRPr lang="en-IL" b="1" dirty="0"/>
+          </a:p>
+        </p:txBody>
+      </p:sp>
+      <p:sp>
+        <p:nvSpPr>
+          <p:cNvPr id="3" name="Content Placeholder 2">
+            <a:extLst>
+              <a:ext uri="{FF2B5EF4-FFF2-40B4-BE49-F238E27FC236}">
+                <a16:creationId xmlns:a16="http://schemas.microsoft.com/office/drawing/2014/main" id="{A0C5DBE3-637C-4EC4-85E6-1917AE3ADFD8}"/>
+              </a:ext>
+            </a:extLst>
+          </p:cNvPr>
+          <p:cNvSpPr>
+            <a:spLocks noGrp="1"/>
+          </p:cNvSpPr>
+          <p:nvPr>
+            <p:ph idx="1"/>
+          </p:nvPr>
+        </p:nvSpPr>
+        <p:spPr>
+          <a:xfrm>
+            <a:off x="1484310" y="1998133"/>
+            <a:ext cx="7162149" cy="3793067"/>
+          </a:xfrm>
+        </p:spPr>
+        <p:txBody>
+          <a:bodyPr>
+            <a:normAutofit fontScale="92500"/>
+          </a:bodyPr>
+          <a:lstStyle/>
+          <a:p>
+            <a:pPr>
+              <a:buFont typeface="Wingdings" panose="05000000000000000000" pitchFamily="2" charset="2"/>
+              <a:buChar char="§"/>
+            </a:pPr>
+            <a:r>
+              <a:rPr lang="en-US" b="1" dirty="0">
+                <a:solidFill>
+                  <a:srgbClr val="FF0000"/>
+                </a:solidFill>
+              </a:rPr>
+              <a:t>Accuracy</a:t>
+            </a:r>
+            <a:r>
+              <a:rPr lang="en-US" dirty="0"/>
+              <a:t> of </a:t>
+            </a:r>
+            <a:r>
+              <a:rPr lang="en-US" dirty="0" err="1"/>
+              <a:t>HashPipe</a:t>
+            </a:r>
+            <a:r>
+              <a:rPr lang="en-US" dirty="0"/>
+              <a:t> Algorithm (Errors False Negative and False Positive)</a:t>
+            </a:r>
+          </a:p>
+          <a:p>
+            <a:pPr>
+              <a:buFont typeface="Wingdings" panose="05000000000000000000" pitchFamily="2" charset="2"/>
+              <a:buChar char="§"/>
+            </a:pPr>
+            <a:r>
+              <a:rPr lang="en-US" b="1" dirty="0">
+                <a:solidFill>
+                  <a:srgbClr val="FF0000"/>
+                </a:solidFill>
+              </a:rPr>
+              <a:t>Average</a:t>
+            </a:r>
+            <a:r>
+              <a:rPr lang="en-US" dirty="0"/>
+              <a:t> place of packets from </a:t>
+            </a:r>
+            <a:r>
+              <a:rPr lang="en-US" dirty="0" err="1"/>
+              <a:t>HashPipe</a:t>
+            </a:r>
+            <a:r>
+              <a:rPr lang="en-US" dirty="0"/>
+              <a:t> </a:t>
+            </a:r>
+            <a:r>
+              <a:rPr lang="en-US" dirty="0" err="1"/>
+              <a:t>Alg</a:t>
+            </a:r>
+            <a:r>
+              <a:rPr lang="en-US" dirty="0"/>
+              <a:t>’ in the sorted list</a:t>
+            </a:r>
+            <a:r>
+              <a:rPr lang="ru-RU" dirty="0"/>
+              <a:t> </a:t>
+            </a:r>
+            <a:r>
+              <a:rPr lang="en-US" dirty="0"/>
+              <a:t>of Real "Heavy-Hitter" flows starting from heaviest </a:t>
+            </a:r>
+          </a:p>
+          <a:p>
+            <a:pPr lvl="1">
+              <a:buFont typeface="Wingdings" panose="05000000000000000000" pitchFamily="2" charset="2"/>
+              <a:buChar char="§"/>
+            </a:pPr>
+            <a:r>
+              <a:rPr lang="en-US" b="1" dirty="0">
+                <a:solidFill>
+                  <a:srgbClr val="FF0000"/>
+                </a:solidFill>
+              </a:rPr>
+              <a:t>Optimal K = min(K, Number of </a:t>
+            </a:r>
+            <a:r>
+              <a:rPr lang="en-US" b="1" dirty="0" err="1">
+                <a:solidFill>
+                  <a:srgbClr val="FF0000"/>
+                </a:solidFill>
+              </a:rPr>
+              <a:t>HashPipe</a:t>
+            </a:r>
+            <a:r>
+              <a:rPr lang="en-US" b="1" dirty="0">
+                <a:solidFill>
+                  <a:srgbClr val="FF0000"/>
+                </a:solidFill>
+              </a:rPr>
+              <a:t> </a:t>
+            </a:r>
+            <a:r>
+              <a:rPr lang="en-US" b="1" dirty="0" err="1">
+                <a:solidFill>
+                  <a:srgbClr val="FF0000"/>
+                </a:solidFill>
+              </a:rPr>
+              <a:t>alg</a:t>
+            </a:r>
+            <a:r>
+              <a:rPr lang="en-US" b="1" dirty="0">
+                <a:solidFill>
+                  <a:srgbClr val="FF0000"/>
+                </a:solidFill>
+              </a:rPr>
+              <a:t>’ Flows, Number of Real “Heavy-hitter” Flows)</a:t>
+            </a:r>
+            <a:r>
+              <a:rPr lang="en-US" b="1" dirty="0"/>
+              <a:t> </a:t>
+            </a:r>
+            <a:r>
+              <a:rPr lang="en-US" dirty="0"/>
+              <a:t>– the biggest number of “heavy-hitter” flows which we can check (not bigger than </a:t>
+            </a:r>
+            <a:r>
+              <a:rPr lang="en-US" b="1" dirty="0">
+                <a:solidFill>
+                  <a:srgbClr val="FF0000"/>
+                </a:solidFill>
+              </a:rPr>
+              <a:t>K</a:t>
+            </a:r>
+            <a:r>
+              <a:rPr lang="en-US" dirty="0"/>
+              <a:t>)</a:t>
+            </a:r>
+          </a:p>
+          <a:p>
+            <a:pPr lvl="1">
+              <a:buFont typeface="Wingdings" panose="05000000000000000000" pitchFamily="2" charset="2"/>
+              <a:buChar char="§"/>
+            </a:pPr>
+            <a:r>
+              <a:rPr lang="en-US" b="1" dirty="0">
+                <a:solidFill>
+                  <a:srgbClr val="FF0000"/>
+                </a:solidFill>
+              </a:rPr>
+              <a:t>Optimal Average = (Optimal K + 1) / 2 </a:t>
+            </a:r>
+            <a:r>
+              <a:rPr lang="en-US" dirty="0"/>
+              <a:t>– </a:t>
+            </a:r>
+            <a:r>
+              <a:rPr lang="en-US" b="1" dirty="0">
+                <a:solidFill>
+                  <a:srgbClr val="FF0000"/>
+                </a:solidFill>
+              </a:rPr>
+              <a:t>Average</a:t>
+            </a:r>
+            <a:r>
+              <a:rPr lang="en-US" dirty="0"/>
+              <a:t> which we get for</a:t>
+            </a:r>
+            <a:r>
+              <a:rPr lang="ru-RU" dirty="0"/>
+              <a:t> </a:t>
+            </a:r>
+            <a:r>
+              <a:rPr lang="en-US" b="1" dirty="0">
+                <a:solidFill>
+                  <a:srgbClr val="FF0000"/>
+                </a:solidFill>
+              </a:rPr>
+              <a:t>Accuracy</a:t>
+            </a:r>
+            <a:r>
+              <a:rPr lang="ru-RU" b="1" dirty="0">
+                <a:solidFill>
+                  <a:srgbClr val="FF0000"/>
+                </a:solidFill>
+              </a:rPr>
+              <a:t>=100%</a:t>
+            </a:r>
+            <a:endParaRPr lang="en-US" b="1" dirty="0">
+              <a:solidFill>
+                <a:srgbClr val="FF0000"/>
+              </a:solidFill>
+            </a:endParaRPr>
+          </a:p>
+        </p:txBody>
+      </p:sp>
+      <p:pic>
+        <p:nvPicPr>
+          <p:cNvPr id="22" name="Graphic 21" descr="Presentation with bar chart">
+            <a:extLst>
+              <a:ext uri="{FF2B5EF4-FFF2-40B4-BE49-F238E27FC236}">
+                <a16:creationId xmlns:a16="http://schemas.microsoft.com/office/drawing/2014/main" id="{24DA6B18-18EC-410B-A052-BA90C3F1A291}"/>
+              </a:ext>
+            </a:extLst>
+          </p:cNvPr>
+          <p:cNvPicPr>
+            <a:picLocks noChangeAspect="1"/>
+          </p:cNvPicPr>
+          <p:nvPr/>
+        </p:nvPicPr>
+        <p:blipFill>
+          <a:blip r:embed="rId2">
+            <a:extLst>
+              <a:ext uri="{28A0092B-C50C-407E-A947-70E740481C1C}">
+                <a14:useLocalDpi xmlns:a14="http://schemas.microsoft.com/office/drawing/2010/main" val="0"/>
+              </a:ext>
+              <a:ext uri="{96DAC541-7B7A-43D3-8B79-37D633B846F1}">
+                <asvg:svgBlip xmlns:asvg="http://schemas.microsoft.com/office/drawing/2016/SVG/main" r:embed="rId3"/>
+              </a:ext>
+            </a:extLst>
+          </a:blip>
+          <a:stretch/>
+        </p:blipFill>
+        <p:spPr>
+          <a:xfrm>
+            <a:off x="8785907" y="2535331"/>
+            <a:ext cx="2717116" cy="2717116"/>
+          </a:xfrm>
+          <a:prstGeom prst="roundRect">
+            <a:avLst>
+              <a:gd name="adj" fmla="val 4380"/>
+            </a:avLst>
+          </a:prstGeom>
+          <a:ln w="38100">
+            <a:gradFill flip="none" rotWithShape="1">
+              <a:gsLst>
+                <a:gs pos="0">
+                  <a:schemeClr val="bg2"/>
+                </a:gs>
+                <a:gs pos="100000">
+                  <a:schemeClr val="bg2">
+                    <a:lumMod val="75000"/>
+                  </a:schemeClr>
+                </a:gs>
+              </a:gsLst>
+              <a:lin ang="5400000" scaled="0"/>
+              <a:tileRect/>
+            </a:gradFill>
+          </a:ln>
+          <a:effectLst>
+            <a:innerShdw blurRad="57150" dist="38100" dir="14460000">
+              <a:srgbClr val="000000">
+                <a:alpha val="70000"/>
+              </a:srgbClr>
+            </a:innerShdw>
+          </a:effectLst>
+        </p:spPr>
+      </p:pic>
+    </p:spTree>
+    <p:extLst>
+      <p:ext uri="{BB962C8B-B14F-4D97-AF65-F5344CB8AC3E}">
+        <p14:creationId xmlns:p14="http://schemas.microsoft.com/office/powerpoint/2010/main" val="828906943"/>
+      </p:ext>
+    </p:extLst>
+  </p:cSld>
+  <p:clrMapOvr>
+    <a:masterClrMapping/>
+  </p:clrMapOvr>
+</p:sld>
+</file>
+
+<file path=ppt/slides/slide17.xml><?xml version="1.0" encoding="utf-8"?>
 <p:sld xmlns:a="http://schemas.openxmlformats.org/drawingml/2006/main" xmlns:r="http://schemas.openxmlformats.org/officeDocument/2006/relationships" xmlns:p="http://schemas.openxmlformats.org/presentationml/2006/main">
   <p:cSld>
     <p:bg>
@@ -30563,7 +30910,7 @@
 </p:sld>
 </file>
 
-<file path=ppt/slides/slide17.xml><?xml version="1.0" encoding="utf-8"?>
+<file path=ppt/slides/slide18.xml><?xml version="1.0" encoding="utf-8"?>
 <p:sld xmlns:a="http://schemas.openxmlformats.org/drawingml/2006/main" xmlns:r="http://schemas.openxmlformats.org/officeDocument/2006/relationships" xmlns:p="http://schemas.openxmlformats.org/presentationml/2006/main">
   <p:cSld>
     <p:bg>
@@ -31129,7 +31476,7 @@
 </p:sld>
 </file>
 
-<file path=ppt/slides/slide18.xml><?xml version="1.0" encoding="utf-8"?>
+<file path=ppt/slides/slide19.xml><?xml version="1.0" encoding="utf-8"?>
 <p:sld xmlns:a="http://schemas.openxmlformats.org/drawingml/2006/main" xmlns:r="http://schemas.openxmlformats.org/officeDocument/2006/relationships" xmlns:p="http://schemas.openxmlformats.org/presentationml/2006/main">
   <p:cSld>
     <p:spTree>
@@ -31181,67 +31528,6 @@
     <p:extLst>
       <p:ext uri="{BB962C8B-B14F-4D97-AF65-F5344CB8AC3E}">
         <p14:creationId xmlns:p14="http://schemas.microsoft.com/office/powerpoint/2010/main" val="358703193"/>
-      </p:ext>
-    </p:extLst>
-  </p:cSld>
-  <p:clrMapOvr>
-    <a:masterClrMapping/>
-  </p:clrMapOvr>
-</p:sld>
-</file>
-
-<file path=ppt/slides/slide19.xml><?xml version="1.0" encoding="utf-8"?>
-<p:sld xmlns:a="http://schemas.openxmlformats.org/drawingml/2006/main" xmlns:r="http://schemas.openxmlformats.org/officeDocument/2006/relationships" xmlns:p="http://schemas.openxmlformats.org/presentationml/2006/main">
-  <p:cSld>
-    <p:spTree>
-      <p:nvGrpSpPr>
-        <p:cNvPr id="1" name=""/>
-        <p:cNvGrpSpPr/>
-        <p:nvPr/>
-      </p:nvGrpSpPr>
-      <p:grpSpPr>
-        <a:xfrm>
-          <a:off x="0" y="0"/>
-          <a:ext cx="0" cy="0"/>
-          <a:chOff x="0" y="0"/>
-          <a:chExt cx="0" cy="0"/>
-        </a:xfrm>
-      </p:grpSpPr>
-      <p:graphicFrame>
-        <p:nvGraphicFramePr>
-          <p:cNvPr id="6" name="Content Placeholder 5">
-            <a:extLst>
-              <a:ext uri="{FF2B5EF4-FFF2-40B4-BE49-F238E27FC236}">
-                <a16:creationId xmlns:a16="http://schemas.microsoft.com/office/drawing/2014/main" id="{3718E7A3-ABFF-4151-AF80-B594619CABA6}"/>
-              </a:ext>
-            </a:extLst>
-          </p:cNvPr>
-          <p:cNvGraphicFramePr>
-            <a:graphicFrameLocks noGrp="1"/>
-          </p:cNvGraphicFramePr>
-          <p:nvPr>
-            <p:ph idx="1"/>
-            <p:extLst>
-              <p:ext uri="{D42A27DB-BD31-4B8C-83A1-F6EECF244321}">
-                <p14:modId xmlns:p14="http://schemas.microsoft.com/office/powerpoint/2010/main" val="2823178938"/>
-              </p:ext>
-            </p:extLst>
-          </p:nvPr>
-        </p:nvGraphicFramePr>
-        <p:xfrm>
-          <a:off x="0" y="0"/>
-          <a:ext cx="12192000" cy="6858000"/>
-        </p:xfrm>
-        <a:graphic>
-          <a:graphicData uri="http://schemas.openxmlformats.org/drawingml/2006/chart">
-            <c:chart xmlns:c="http://schemas.openxmlformats.org/drawingml/2006/chart" xmlns:r="http://schemas.openxmlformats.org/officeDocument/2006/relationships" r:id="rId2"/>
-          </a:graphicData>
-        </a:graphic>
-      </p:graphicFrame>
-    </p:spTree>
-    <p:extLst>
-      <p:ext uri="{BB962C8B-B14F-4D97-AF65-F5344CB8AC3E}">
-        <p14:creationId xmlns:p14="http://schemas.microsoft.com/office/powerpoint/2010/main" val="2605271067"/>
       </p:ext>
     </p:extLst>
   </p:cSld>
@@ -31440,6 +31726,67 @@
           <a:chExt cx="0" cy="0"/>
         </a:xfrm>
       </p:grpSpPr>
+      <p:graphicFrame>
+        <p:nvGraphicFramePr>
+          <p:cNvPr id="6" name="Content Placeholder 5">
+            <a:extLst>
+              <a:ext uri="{FF2B5EF4-FFF2-40B4-BE49-F238E27FC236}">
+                <a16:creationId xmlns:a16="http://schemas.microsoft.com/office/drawing/2014/main" id="{3718E7A3-ABFF-4151-AF80-B594619CABA6}"/>
+              </a:ext>
+            </a:extLst>
+          </p:cNvPr>
+          <p:cNvGraphicFramePr>
+            <a:graphicFrameLocks noGrp="1"/>
+          </p:cNvGraphicFramePr>
+          <p:nvPr>
+            <p:ph idx="1"/>
+            <p:extLst>
+              <p:ext uri="{D42A27DB-BD31-4B8C-83A1-F6EECF244321}">
+                <p14:modId xmlns:p14="http://schemas.microsoft.com/office/powerpoint/2010/main" val="2823178938"/>
+              </p:ext>
+            </p:extLst>
+          </p:nvPr>
+        </p:nvGraphicFramePr>
+        <p:xfrm>
+          <a:off x="0" y="0"/>
+          <a:ext cx="12192000" cy="6858000"/>
+        </p:xfrm>
+        <a:graphic>
+          <a:graphicData uri="http://schemas.openxmlformats.org/drawingml/2006/chart">
+            <c:chart xmlns:c="http://schemas.openxmlformats.org/drawingml/2006/chart" xmlns:r="http://schemas.openxmlformats.org/officeDocument/2006/relationships" r:id="rId2"/>
+          </a:graphicData>
+        </a:graphic>
+      </p:graphicFrame>
+    </p:spTree>
+    <p:extLst>
+      <p:ext uri="{BB962C8B-B14F-4D97-AF65-F5344CB8AC3E}">
+        <p14:creationId xmlns:p14="http://schemas.microsoft.com/office/powerpoint/2010/main" val="2605271067"/>
+      </p:ext>
+    </p:extLst>
+  </p:cSld>
+  <p:clrMapOvr>
+    <a:masterClrMapping/>
+  </p:clrMapOvr>
+</p:sld>
+</file>
+
+<file path=ppt/slides/slide21.xml><?xml version="1.0" encoding="utf-8"?>
+<p:sld xmlns:a="http://schemas.openxmlformats.org/drawingml/2006/main" xmlns:r="http://schemas.openxmlformats.org/officeDocument/2006/relationships" xmlns:p="http://schemas.openxmlformats.org/presentationml/2006/main">
+  <p:cSld>
+    <p:spTree>
+      <p:nvGrpSpPr>
+        <p:cNvPr id="1" name=""/>
+        <p:cNvGrpSpPr/>
+        <p:nvPr/>
+      </p:nvGrpSpPr>
+      <p:grpSpPr>
+        <a:xfrm>
+          <a:off x="0" y="0"/>
+          <a:ext cx="0" cy="0"/>
+          <a:chOff x="0" y="0"/>
+          <a:chExt cx="0" cy="0"/>
+        </a:xfrm>
+      </p:grpSpPr>
       <p:sp>
         <p:nvSpPr>
           <p:cNvPr id="2" name="Title 1">
@@ -31682,7 +32029,7 @@
 </p:sld>
 </file>
 
-<file path=ppt/slides/slide21.xml><?xml version="1.0" encoding="utf-8"?>
+<file path=ppt/slides/slide22.xml><?xml version="1.0" encoding="utf-8"?>
 <p:sld xmlns:a="http://schemas.openxmlformats.org/drawingml/2006/main" xmlns:r="http://schemas.openxmlformats.org/officeDocument/2006/relationships" xmlns:p="http://schemas.openxmlformats.org/presentationml/2006/main">
   <p:cSld>
     <p:spTree>
@@ -31743,7 +32090,7 @@
 </p:sld>
 </file>
 
-<file path=ppt/slides/slide22.xml><?xml version="1.0" encoding="utf-8"?>
+<file path=ppt/slides/slide23.xml><?xml version="1.0" encoding="utf-8"?>
 <p:sld xmlns:a="http://schemas.openxmlformats.org/drawingml/2006/main" xmlns:r="http://schemas.openxmlformats.org/officeDocument/2006/relationships" xmlns:p="http://schemas.openxmlformats.org/presentationml/2006/main">
   <p:cSld>
     <p:spTree>
@@ -31804,7 +32151,7 @@
 </p:sld>
 </file>
 
-<file path=ppt/slides/slide23.xml><?xml version="1.0" encoding="utf-8"?>
+<file path=ppt/slides/slide24.xml><?xml version="1.0" encoding="utf-8"?>
 <p:sld xmlns:a="http://schemas.openxmlformats.org/drawingml/2006/main" xmlns:r="http://schemas.openxmlformats.org/officeDocument/2006/relationships" xmlns:p="http://schemas.openxmlformats.org/presentationml/2006/main">
   <p:cSld>
     <p:spTree>
@@ -32105,7 +32452,7 @@
 </p:sld>
 </file>
 
-<file path=ppt/slides/slide24.xml><?xml version="1.0" encoding="utf-8"?>
+<file path=ppt/slides/slide25.xml><?xml version="1.0" encoding="utf-8"?>
 <p:sld xmlns:a="http://schemas.openxmlformats.org/drawingml/2006/main" xmlns:r="http://schemas.openxmlformats.org/officeDocument/2006/relationships" xmlns:p="http://schemas.openxmlformats.org/presentationml/2006/main">
   <p:cSld>
     <p:spTree>
@@ -32166,7 +32513,7 @@
 </p:sld>
 </file>
 
-<file path=ppt/slides/slide25.xml><?xml version="1.0" encoding="utf-8"?>
+<file path=ppt/slides/slide26.xml><?xml version="1.0" encoding="utf-8"?>
 <p:sld xmlns:a="http://schemas.openxmlformats.org/drawingml/2006/main" xmlns:r="http://schemas.openxmlformats.org/officeDocument/2006/relationships" xmlns:p="http://schemas.openxmlformats.org/presentationml/2006/main">
   <p:cSld>
     <p:spTree>
@@ -32227,7 +32574,7 @@
 </p:sld>
 </file>
 
-<file path=ppt/slides/slide26.xml><?xml version="1.0" encoding="utf-8"?>
+<file path=ppt/slides/slide27.xml><?xml version="1.0" encoding="utf-8"?>
 <p:sld xmlns:a="http://schemas.openxmlformats.org/drawingml/2006/main" xmlns:r="http://schemas.openxmlformats.org/officeDocument/2006/relationships" xmlns:p="http://schemas.openxmlformats.org/presentationml/2006/main">
   <p:cSld>
     <p:spTree>
@@ -32519,7 +32866,7 @@
 </p:sld>
 </file>
 
-<file path=ppt/slides/slide27.xml><?xml version="1.0" encoding="utf-8"?>
+<file path=ppt/slides/slide28.xml><?xml version="1.0" encoding="utf-8"?>
 <p:sld xmlns:a="http://schemas.openxmlformats.org/drawingml/2006/main" xmlns:r="http://schemas.openxmlformats.org/officeDocument/2006/relationships" xmlns:p="http://schemas.openxmlformats.org/presentationml/2006/main">
   <p:cSld>
     <p:spTree>
@@ -32580,7 +32927,7 @@
 </p:sld>
 </file>
 
-<file path=ppt/slides/slide28.xml><?xml version="1.0" encoding="utf-8"?>
+<file path=ppt/slides/slide29.xml><?xml version="1.0" encoding="utf-8"?>
 <p:sld xmlns:a="http://schemas.openxmlformats.org/drawingml/2006/main" xmlns:r="http://schemas.openxmlformats.org/officeDocument/2006/relationships" xmlns:p="http://schemas.openxmlformats.org/presentationml/2006/main">
   <p:cSld>
     <p:spTree>
@@ -32641,7 +32988,158 @@
 </p:sld>
 </file>
 
-<file path=ppt/slides/slide29.xml><?xml version="1.0" encoding="utf-8"?>
+<file path=ppt/slides/slide3.xml><?xml version="1.0" encoding="utf-8"?>
+<p:sld xmlns:a="http://schemas.openxmlformats.org/drawingml/2006/main" xmlns:r="http://schemas.openxmlformats.org/officeDocument/2006/relationships" xmlns:p="http://schemas.openxmlformats.org/presentationml/2006/main">
+  <p:cSld>
+    <p:spTree>
+      <p:nvGrpSpPr>
+        <p:cNvPr id="1" name=""/>
+        <p:cNvGrpSpPr/>
+        <p:nvPr/>
+      </p:nvGrpSpPr>
+      <p:grpSpPr>
+        <a:xfrm>
+          <a:off x="0" y="0"/>
+          <a:ext cx="0" cy="0"/>
+          <a:chOff x="0" y="0"/>
+          <a:chExt cx="0" cy="0"/>
+        </a:xfrm>
+      </p:grpSpPr>
+      <p:sp>
+        <p:nvSpPr>
+          <p:cNvPr id="2" name="Title 1">
+            <a:extLst>
+              <a:ext uri="{FF2B5EF4-FFF2-40B4-BE49-F238E27FC236}">
+                <a16:creationId xmlns:a16="http://schemas.microsoft.com/office/drawing/2014/main" id="{0AD02422-29C6-45DC-AA19-BC6DAC75DED4}"/>
+              </a:ext>
+            </a:extLst>
+          </p:cNvPr>
+          <p:cNvSpPr>
+            <a:spLocks noGrp="1"/>
+          </p:cNvSpPr>
+          <p:nvPr>
+            <p:ph type="title"/>
+          </p:nvPr>
+        </p:nvSpPr>
+        <p:spPr/>
+        <p:txBody>
+          <a:bodyPr/>
+          <a:lstStyle/>
+          <a:p>
+            <a:r>
+              <a:rPr lang="en-US" b="1" dirty="0"/>
+              <a:t>Motivation</a:t>
+            </a:r>
+            <a:endParaRPr lang="en-IL" b="1" dirty="0"/>
+          </a:p>
+        </p:txBody>
+      </p:sp>
+      <p:sp>
+        <p:nvSpPr>
+          <p:cNvPr id="3" name="Content Placeholder 2">
+            <a:extLst>
+              <a:ext uri="{FF2B5EF4-FFF2-40B4-BE49-F238E27FC236}">
+                <a16:creationId xmlns:a16="http://schemas.microsoft.com/office/drawing/2014/main" id="{F4AAE0EE-2FA4-4AD9-B8E1-B240D4CA48EA}"/>
+              </a:ext>
+            </a:extLst>
+          </p:cNvPr>
+          <p:cNvSpPr>
+            <a:spLocks noGrp="1"/>
+          </p:cNvSpPr>
+          <p:nvPr>
+            <p:ph idx="1"/>
+          </p:nvPr>
+        </p:nvSpPr>
+        <p:spPr>
+          <a:xfrm>
+            <a:off x="1484311" y="2666999"/>
+            <a:ext cx="10018713" cy="3124201"/>
+          </a:xfrm>
+        </p:spPr>
+        <p:txBody>
+          <a:bodyPr>
+            <a:noAutofit/>
+          </a:bodyPr>
+          <a:lstStyle/>
+          <a:p>
+            <a:pPr marL="0" indent="0">
+              <a:buNone/>
+            </a:pPr>
+            <a:r>
+              <a:rPr lang="en-US" dirty="0"/>
+              <a:t>“Heavy Hitters” flows are flows that contributing significant amounts of traffic to a link.</a:t>
+            </a:r>
+          </a:p>
+          <a:p>
+            <a:pPr marL="0" indent="0">
+              <a:buNone/>
+            </a:pPr>
+            <a:r>
+              <a:rPr lang="en-US" dirty="0"/>
+              <a:t>Detection “heavy hitters” flows is required, for example, for</a:t>
+            </a:r>
+          </a:p>
+          <a:p>
+            <a:pPr>
+              <a:buFont typeface="Wingdings" panose="05000000000000000000" pitchFamily="2" charset="2"/>
+              <a:buChar char="§"/>
+            </a:pPr>
+            <a:r>
+              <a:rPr lang="en-US" dirty="0" err="1"/>
+              <a:t>DoS</a:t>
+            </a:r>
+            <a:r>
+              <a:rPr lang="en-US" dirty="0"/>
+              <a:t> detection (anomalies and attack)</a:t>
+            </a:r>
+          </a:p>
+          <a:p>
+            <a:pPr>
+              <a:buFont typeface="Wingdings" panose="05000000000000000000" pitchFamily="2" charset="2"/>
+              <a:buChar char="§"/>
+            </a:pPr>
+            <a:r>
+              <a:rPr lang="en-US" dirty="0"/>
+              <a:t>traffic engineering</a:t>
+            </a:r>
+            <a:endParaRPr lang="en-IL" dirty="0"/>
+          </a:p>
+          <a:p>
+            <a:pPr>
+              <a:buFont typeface="Wingdings" panose="05000000000000000000" pitchFamily="2" charset="2"/>
+              <a:buChar char="§"/>
+            </a:pPr>
+            <a:r>
+              <a:rPr lang="en-US" dirty="0"/>
+              <a:t>relieve link congestion</a:t>
+            </a:r>
+          </a:p>
+          <a:p>
+            <a:pPr>
+              <a:buFont typeface="Wingdings" panose="05000000000000000000" pitchFamily="2" charset="2"/>
+              <a:buChar char="§"/>
+            </a:pPr>
+            <a:r>
+              <a:rPr lang="en-US" dirty="0"/>
+              <a:t>flow-size aware routing</a:t>
+            </a:r>
+          </a:p>
+        </p:txBody>
+      </p:sp>
+    </p:spTree>
+    <p:extLst>
+      <p:ext uri="{BB962C8B-B14F-4D97-AF65-F5344CB8AC3E}">
+        <p14:creationId xmlns:p14="http://schemas.microsoft.com/office/powerpoint/2010/main" val="3078417654"/>
+      </p:ext>
+    </p:extLst>
+  </p:cSld>
+  <p:clrMapOvr>
+    <a:masterClrMapping/>
+  </p:clrMapOvr>
+</p:sld>
+</file>
+
+<file path=ppt/slides/slide30.xml><?xml version="1.0" encoding="utf-8"?>
 <p:sld xmlns:a="http://schemas.openxmlformats.org/drawingml/2006/main" xmlns:r="http://schemas.openxmlformats.org/officeDocument/2006/relationships" xmlns:p="http://schemas.openxmlformats.org/presentationml/2006/main">
   <p:cSld>
     <p:spTree>
@@ -32702,158 +33200,7 @@
 </p:sld>
 </file>
 
-<file path=ppt/slides/slide3.xml><?xml version="1.0" encoding="utf-8"?>
-<p:sld xmlns:a="http://schemas.openxmlformats.org/drawingml/2006/main" xmlns:r="http://schemas.openxmlformats.org/officeDocument/2006/relationships" xmlns:p="http://schemas.openxmlformats.org/presentationml/2006/main">
-  <p:cSld>
-    <p:spTree>
-      <p:nvGrpSpPr>
-        <p:cNvPr id="1" name=""/>
-        <p:cNvGrpSpPr/>
-        <p:nvPr/>
-      </p:nvGrpSpPr>
-      <p:grpSpPr>
-        <a:xfrm>
-          <a:off x="0" y="0"/>
-          <a:ext cx="0" cy="0"/>
-          <a:chOff x="0" y="0"/>
-          <a:chExt cx="0" cy="0"/>
-        </a:xfrm>
-      </p:grpSpPr>
-      <p:sp>
-        <p:nvSpPr>
-          <p:cNvPr id="2" name="Title 1">
-            <a:extLst>
-              <a:ext uri="{FF2B5EF4-FFF2-40B4-BE49-F238E27FC236}">
-                <a16:creationId xmlns:a16="http://schemas.microsoft.com/office/drawing/2014/main" id="{0AD02422-29C6-45DC-AA19-BC6DAC75DED4}"/>
-              </a:ext>
-            </a:extLst>
-          </p:cNvPr>
-          <p:cNvSpPr>
-            <a:spLocks noGrp="1"/>
-          </p:cNvSpPr>
-          <p:nvPr>
-            <p:ph type="title"/>
-          </p:nvPr>
-        </p:nvSpPr>
-        <p:spPr/>
-        <p:txBody>
-          <a:bodyPr/>
-          <a:lstStyle/>
-          <a:p>
-            <a:r>
-              <a:rPr lang="en-US" b="1" dirty="0"/>
-              <a:t>Motivation</a:t>
-            </a:r>
-            <a:endParaRPr lang="en-IL" b="1" dirty="0"/>
-          </a:p>
-        </p:txBody>
-      </p:sp>
-      <p:sp>
-        <p:nvSpPr>
-          <p:cNvPr id="3" name="Content Placeholder 2">
-            <a:extLst>
-              <a:ext uri="{FF2B5EF4-FFF2-40B4-BE49-F238E27FC236}">
-                <a16:creationId xmlns:a16="http://schemas.microsoft.com/office/drawing/2014/main" id="{F4AAE0EE-2FA4-4AD9-B8E1-B240D4CA48EA}"/>
-              </a:ext>
-            </a:extLst>
-          </p:cNvPr>
-          <p:cNvSpPr>
-            <a:spLocks noGrp="1"/>
-          </p:cNvSpPr>
-          <p:nvPr>
-            <p:ph idx="1"/>
-          </p:nvPr>
-        </p:nvSpPr>
-        <p:spPr>
-          <a:xfrm>
-            <a:off x="1484311" y="2666999"/>
-            <a:ext cx="10018713" cy="3124201"/>
-          </a:xfrm>
-        </p:spPr>
-        <p:txBody>
-          <a:bodyPr>
-            <a:noAutofit/>
-          </a:bodyPr>
-          <a:lstStyle/>
-          <a:p>
-            <a:pPr marL="0" indent="0">
-              <a:buNone/>
-            </a:pPr>
-            <a:r>
-              <a:rPr lang="en-US" dirty="0"/>
-              <a:t>“Heavy Hitters” flows are flows that contributing significant amounts of traffic to a link.</a:t>
-            </a:r>
-          </a:p>
-          <a:p>
-            <a:pPr marL="0" indent="0">
-              <a:buNone/>
-            </a:pPr>
-            <a:r>
-              <a:rPr lang="en-US" dirty="0"/>
-              <a:t>Detection “heavy hitters” flows is required, for example, for</a:t>
-            </a:r>
-          </a:p>
-          <a:p>
-            <a:pPr>
-              <a:buFont typeface="Wingdings" panose="05000000000000000000" pitchFamily="2" charset="2"/>
-              <a:buChar char="§"/>
-            </a:pPr>
-            <a:r>
-              <a:rPr lang="en-US" dirty="0" err="1"/>
-              <a:t>DoS</a:t>
-            </a:r>
-            <a:r>
-              <a:rPr lang="en-US" dirty="0"/>
-              <a:t> detection (anomalies and attack)</a:t>
-            </a:r>
-          </a:p>
-          <a:p>
-            <a:pPr>
-              <a:buFont typeface="Wingdings" panose="05000000000000000000" pitchFamily="2" charset="2"/>
-              <a:buChar char="§"/>
-            </a:pPr>
-            <a:r>
-              <a:rPr lang="en-US" dirty="0"/>
-              <a:t>traffic engineering</a:t>
-            </a:r>
-            <a:endParaRPr lang="en-IL" dirty="0"/>
-          </a:p>
-          <a:p>
-            <a:pPr>
-              <a:buFont typeface="Wingdings" panose="05000000000000000000" pitchFamily="2" charset="2"/>
-              <a:buChar char="§"/>
-            </a:pPr>
-            <a:r>
-              <a:rPr lang="en-US" dirty="0"/>
-              <a:t>relieve link congestion</a:t>
-            </a:r>
-          </a:p>
-          <a:p>
-            <a:pPr>
-              <a:buFont typeface="Wingdings" panose="05000000000000000000" pitchFamily="2" charset="2"/>
-              <a:buChar char="§"/>
-            </a:pPr>
-            <a:r>
-              <a:rPr lang="en-US" dirty="0"/>
-              <a:t>flow-size aware routing</a:t>
-            </a:r>
-          </a:p>
-        </p:txBody>
-      </p:sp>
-    </p:spTree>
-    <p:extLst>
-      <p:ext uri="{BB962C8B-B14F-4D97-AF65-F5344CB8AC3E}">
-        <p14:creationId xmlns:p14="http://schemas.microsoft.com/office/powerpoint/2010/main" val="3078417654"/>
-      </p:ext>
-    </p:extLst>
-  </p:cSld>
-  <p:clrMapOvr>
-    <a:masterClrMapping/>
-  </p:clrMapOvr>
-</p:sld>
-</file>
-
-<file path=ppt/slides/slide30.xml><?xml version="1.0" encoding="utf-8"?>
+<file path=ppt/slides/slide31.xml><?xml version="1.0" encoding="utf-8"?>
 <p:sld xmlns:a="http://schemas.openxmlformats.org/drawingml/2006/main" xmlns:r="http://schemas.openxmlformats.org/officeDocument/2006/relationships" xmlns:p="http://schemas.openxmlformats.org/presentationml/2006/main">
   <p:cSld>
     <p:spTree>
@@ -33082,7 +33429,7 @@
 </p:sld>
 </file>
 
-<file path=ppt/slides/slide31.xml><?xml version="1.0" encoding="utf-8"?>
+<file path=ppt/slides/slide32.xml><?xml version="1.0" encoding="utf-8"?>
 <p:sld xmlns:a="http://schemas.openxmlformats.org/drawingml/2006/main" xmlns:r="http://schemas.openxmlformats.org/officeDocument/2006/relationships" xmlns:p="http://schemas.openxmlformats.org/presentationml/2006/main">
   <p:cSld>
     <p:spTree>
@@ -33335,7 +33682,7 @@
 </p:sld>
 </file>
 
-<file path=ppt/slides/slide32.xml><?xml version="1.0" encoding="utf-8"?>
+<file path=ppt/slides/slide33.xml><?xml version="1.0" encoding="utf-8"?>
 <p:sld xmlns:a="http://schemas.openxmlformats.org/drawingml/2006/main" xmlns:r="http://schemas.openxmlformats.org/officeDocument/2006/relationships" xmlns:p="http://schemas.openxmlformats.org/presentationml/2006/main">
   <p:cSld>
     <p:spTree>
